--- a/Semana7/Manejo de fechas y horas en ensamblador.pptx
+++ b/Semana7/Manejo de fechas y horas en ensamblador.pptx
@@ -293,7 +293,7 @@
           <a:p>
             <a:fld id="{B6DF89C2-AB5F-4A58-B68D-692727A7103F}" type="datetimeFigureOut">
               <a:rPr lang="es-MX" smtClean="0"/>
-              <a:t>28/05/2012</a:t>
+              <a:t>21/02/2013</a:t>
             </a:fld>
             <a:endParaRPr lang="es-MX"/>
           </a:p>
@@ -458,7 +458,7 @@
           <a:p>
             <a:fld id="{B6DF89C2-AB5F-4A58-B68D-692727A7103F}" type="datetimeFigureOut">
               <a:rPr lang="es-MX" smtClean="0"/>
-              <a:t>28/05/2012</a:t>
+              <a:t>21/02/2013</a:t>
             </a:fld>
             <a:endParaRPr lang="es-MX"/>
           </a:p>
@@ -633,7 +633,7 @@
           <a:p>
             <a:fld id="{B6DF89C2-AB5F-4A58-B68D-692727A7103F}" type="datetimeFigureOut">
               <a:rPr lang="es-MX" smtClean="0"/>
-              <a:t>28/05/2012</a:t>
+              <a:t>21/02/2013</a:t>
             </a:fld>
             <a:endParaRPr lang="es-MX"/>
           </a:p>
@@ -798,7 +798,7 @@
           <a:p>
             <a:fld id="{B6DF89C2-AB5F-4A58-B68D-692727A7103F}" type="datetimeFigureOut">
               <a:rPr lang="es-MX" smtClean="0"/>
-              <a:t>28/05/2012</a:t>
+              <a:t>21/02/2013</a:t>
             </a:fld>
             <a:endParaRPr lang="es-MX"/>
           </a:p>
@@ -1039,7 +1039,7 @@
           <a:p>
             <a:fld id="{B6DF89C2-AB5F-4A58-B68D-692727A7103F}" type="datetimeFigureOut">
               <a:rPr lang="es-MX" smtClean="0"/>
-              <a:t>28/05/2012</a:t>
+              <a:t>21/02/2013</a:t>
             </a:fld>
             <a:endParaRPr lang="es-MX"/>
           </a:p>
@@ -1322,7 +1322,7 @@
           <a:p>
             <a:fld id="{B6DF89C2-AB5F-4A58-B68D-692727A7103F}" type="datetimeFigureOut">
               <a:rPr lang="es-MX" smtClean="0"/>
-              <a:t>28/05/2012</a:t>
+              <a:t>21/02/2013</a:t>
             </a:fld>
             <a:endParaRPr lang="es-MX"/>
           </a:p>
@@ -1739,7 +1739,7 @@
           <a:p>
             <a:fld id="{B6DF89C2-AB5F-4A58-B68D-692727A7103F}" type="datetimeFigureOut">
               <a:rPr lang="es-MX" smtClean="0"/>
-              <a:t>28/05/2012</a:t>
+              <a:t>21/02/2013</a:t>
             </a:fld>
             <a:endParaRPr lang="es-MX"/>
           </a:p>
@@ -1852,7 +1852,7 @@
           <a:p>
             <a:fld id="{B6DF89C2-AB5F-4A58-B68D-692727A7103F}" type="datetimeFigureOut">
               <a:rPr lang="es-MX" smtClean="0"/>
-              <a:t>28/05/2012</a:t>
+              <a:t>21/02/2013</a:t>
             </a:fld>
             <a:endParaRPr lang="es-MX"/>
           </a:p>
@@ -1942,7 +1942,7 @@
           <a:p>
             <a:fld id="{B6DF89C2-AB5F-4A58-B68D-692727A7103F}" type="datetimeFigureOut">
               <a:rPr lang="es-MX" smtClean="0"/>
-              <a:t>28/05/2012</a:t>
+              <a:t>21/02/2013</a:t>
             </a:fld>
             <a:endParaRPr lang="es-MX"/>
           </a:p>
@@ -2214,7 +2214,7 @@
           <a:p>
             <a:fld id="{B6DF89C2-AB5F-4A58-B68D-692727A7103F}" type="datetimeFigureOut">
               <a:rPr lang="es-MX" smtClean="0"/>
-              <a:t>28/05/2012</a:t>
+              <a:t>21/02/2013</a:t>
             </a:fld>
             <a:endParaRPr lang="es-MX"/>
           </a:p>
@@ -2462,7 +2462,7 @@
           <a:p>
             <a:fld id="{B6DF89C2-AB5F-4A58-B68D-692727A7103F}" type="datetimeFigureOut">
               <a:rPr lang="es-MX" smtClean="0"/>
-              <a:t>28/05/2012</a:t>
+              <a:t>21/02/2013</a:t>
             </a:fld>
             <a:endParaRPr lang="es-MX"/>
           </a:p>
@@ -2670,7 +2670,7 @@
           <a:p>
             <a:fld id="{B6DF89C2-AB5F-4A58-B68D-692727A7103F}" type="datetimeFigureOut">
               <a:rPr lang="es-MX" smtClean="0"/>
-              <a:t>28/05/2012</a:t>
+              <a:t>21/02/2013</a:t>
             </a:fld>
             <a:endParaRPr lang="es-MX"/>
           </a:p>
@@ -3079,8 +3079,12 @@
           <a:lstStyle/>
           <a:p>
             <a:r>
-              <a:rPr lang="es-MX" dirty="0" smtClean="0"/>
-              <a:t>Mayo 2012</a:t>
+              <a:rPr lang="es-MX" smtClean="0"/>
+              <a:t>Marzo </a:t>
+            </a:r>
+            <a:r>
+              <a:rPr lang="es-MX" smtClean="0"/>
+              <a:t>2013</a:t>
             </a:r>
             <a:endParaRPr lang="es-MX" dirty="0"/>
           </a:p>
